--- a/Analysis/Meeting Attendees and Ethereum Community Analysis/venn diagram.pptx
+++ b/Analysis/Meeting Attendees and Ethereum Community Analysis/venn diagram.pptx
@@ -105,6 +105,11 @@
       </a:defRPr>
     </a:lvl9pPr>
   </p:defaultTextStyle>
+  <p:extLst>
+    <p:ext uri="{EFAFB233-063F-42B5-8137-9DF3F51BA10A}">
+      <p15:sldGuideLst xmlns:p15="http://schemas.microsoft.com/office/powerpoint/2012/main"/>
+    </p:ext>
+  </p:extLst>
 </p:presentation>
 </file>
 
@@ -255,7 +260,7 @@
           <a:p>
             <a:fld id="{4ACE035D-DCBC-4072-8B14-FC9CE5A4C6AC}" type="datetimeFigureOut">
               <a:rPr lang="en-US" smtClean="0"/>
-              <a:t>11/3/2023</a:t>
+              <a:t>11/6/2023</a:t>
             </a:fld>
             <a:endParaRPr lang="en-US"/>
           </a:p>
@@ -453,7 +458,7 @@
           <a:p>
             <a:fld id="{4ACE035D-DCBC-4072-8B14-FC9CE5A4C6AC}" type="datetimeFigureOut">
               <a:rPr lang="en-US" smtClean="0"/>
-              <a:t>11/3/2023</a:t>
+              <a:t>11/6/2023</a:t>
             </a:fld>
             <a:endParaRPr lang="en-US"/>
           </a:p>
@@ -661,7 +666,7 @@
           <a:p>
             <a:fld id="{4ACE035D-DCBC-4072-8B14-FC9CE5A4C6AC}" type="datetimeFigureOut">
               <a:rPr lang="en-US" smtClean="0"/>
-              <a:t>11/3/2023</a:t>
+              <a:t>11/6/2023</a:t>
             </a:fld>
             <a:endParaRPr lang="en-US"/>
           </a:p>
@@ -859,7 +864,7 @@
           <a:p>
             <a:fld id="{4ACE035D-DCBC-4072-8B14-FC9CE5A4C6AC}" type="datetimeFigureOut">
               <a:rPr lang="en-US" smtClean="0"/>
-              <a:t>11/3/2023</a:t>
+              <a:t>11/6/2023</a:t>
             </a:fld>
             <a:endParaRPr lang="en-US"/>
           </a:p>
@@ -1134,7 +1139,7 @@
           <a:p>
             <a:fld id="{4ACE035D-DCBC-4072-8B14-FC9CE5A4C6AC}" type="datetimeFigureOut">
               <a:rPr lang="en-US" smtClean="0"/>
-              <a:t>11/3/2023</a:t>
+              <a:t>11/6/2023</a:t>
             </a:fld>
             <a:endParaRPr lang="en-US"/>
           </a:p>
@@ -1399,7 +1404,7 @@
           <a:p>
             <a:fld id="{4ACE035D-DCBC-4072-8B14-FC9CE5A4C6AC}" type="datetimeFigureOut">
               <a:rPr lang="en-US" smtClean="0"/>
-              <a:t>11/3/2023</a:t>
+              <a:t>11/6/2023</a:t>
             </a:fld>
             <a:endParaRPr lang="en-US"/>
           </a:p>
@@ -1811,7 +1816,7 @@
           <a:p>
             <a:fld id="{4ACE035D-DCBC-4072-8B14-FC9CE5A4C6AC}" type="datetimeFigureOut">
               <a:rPr lang="en-US" smtClean="0"/>
-              <a:t>11/3/2023</a:t>
+              <a:t>11/6/2023</a:t>
             </a:fld>
             <a:endParaRPr lang="en-US"/>
           </a:p>
@@ -1952,7 +1957,7 @@
           <a:p>
             <a:fld id="{4ACE035D-DCBC-4072-8B14-FC9CE5A4C6AC}" type="datetimeFigureOut">
               <a:rPr lang="en-US" smtClean="0"/>
-              <a:t>11/3/2023</a:t>
+              <a:t>11/6/2023</a:t>
             </a:fld>
             <a:endParaRPr lang="en-US"/>
           </a:p>
@@ -2065,7 +2070,7 @@
           <a:p>
             <a:fld id="{4ACE035D-DCBC-4072-8B14-FC9CE5A4C6AC}" type="datetimeFigureOut">
               <a:rPr lang="en-US" smtClean="0"/>
-              <a:t>11/3/2023</a:t>
+              <a:t>11/6/2023</a:t>
             </a:fld>
             <a:endParaRPr lang="en-US"/>
           </a:p>
@@ -2376,7 +2381,7 @@
           <a:p>
             <a:fld id="{4ACE035D-DCBC-4072-8B14-FC9CE5A4C6AC}" type="datetimeFigureOut">
               <a:rPr lang="en-US" smtClean="0"/>
-              <a:t>11/3/2023</a:t>
+              <a:t>11/6/2023</a:t>
             </a:fld>
             <a:endParaRPr lang="en-US"/>
           </a:p>
@@ -2664,7 +2669,7 @@
           <a:p>
             <a:fld id="{4ACE035D-DCBC-4072-8B14-FC9CE5A4C6AC}" type="datetimeFigureOut">
               <a:rPr lang="en-US" smtClean="0"/>
-              <a:t>11/3/2023</a:t>
+              <a:t>11/6/2023</a:t>
             </a:fld>
             <a:endParaRPr lang="en-US"/>
           </a:p>
@@ -2905,7 +2910,7 @@
           <a:p>
             <a:fld id="{4ACE035D-DCBC-4072-8B14-FC9CE5A4C6AC}" type="datetimeFigureOut">
               <a:rPr lang="en-US" smtClean="0"/>
-              <a:t>11/3/2023</a:t>
+              <a:t>11/6/2023</a:t>
             </a:fld>
             <a:endParaRPr lang="en-US"/>
           </a:p>
@@ -3446,8 +3451,8 @@
         </p:nvSpPr>
         <p:spPr>
           <a:xfrm>
-            <a:off x="8774884" y="953359"/>
-            <a:ext cx="2944535" cy="1200329"/>
+            <a:off x="9072453" y="754066"/>
+            <a:ext cx="2944535" cy="2031325"/>
           </a:xfrm>
           <a:prstGeom prst="rect">
             <a:avLst/>
@@ -3481,6 +3486,15 @@
             <a:r>
               <a:rPr lang="en-US" dirty="0"/>
               <a:t>D  = Client Contributors</a:t>
+            </a:r>
+          </a:p>
+          <a:p>
+            <a:endParaRPr lang="en-US" dirty="0"/>
+          </a:p>
+          <a:p>
+            <a:r>
+              <a:rPr lang="en-US" dirty="0"/>
+              <a:t>N (Everyone Involved with Development) = 2,111</a:t>
             </a:r>
           </a:p>
         </p:txBody>

--- a/Analysis/Meeting Attendees and Ethereum Community Analysis/venn diagram.pptx
+++ b/Analysis/Meeting Attendees and Ethereum Community Analysis/venn diagram.pptx
@@ -260,7 +260,7 @@
           <a:p>
             <a:fld id="{4ACE035D-DCBC-4072-8B14-FC9CE5A4C6AC}" type="datetimeFigureOut">
               <a:rPr lang="en-US" smtClean="0"/>
-              <a:t>11/6/2023</a:t>
+              <a:t>11/13/2023</a:t>
             </a:fld>
             <a:endParaRPr lang="en-US"/>
           </a:p>
@@ -458,7 +458,7 @@
           <a:p>
             <a:fld id="{4ACE035D-DCBC-4072-8B14-FC9CE5A4C6AC}" type="datetimeFigureOut">
               <a:rPr lang="en-US" smtClean="0"/>
-              <a:t>11/6/2023</a:t>
+              <a:t>11/13/2023</a:t>
             </a:fld>
             <a:endParaRPr lang="en-US"/>
           </a:p>
@@ -666,7 +666,7 @@
           <a:p>
             <a:fld id="{4ACE035D-DCBC-4072-8B14-FC9CE5A4C6AC}" type="datetimeFigureOut">
               <a:rPr lang="en-US" smtClean="0"/>
-              <a:t>11/6/2023</a:t>
+              <a:t>11/13/2023</a:t>
             </a:fld>
             <a:endParaRPr lang="en-US"/>
           </a:p>
@@ -864,7 +864,7 @@
           <a:p>
             <a:fld id="{4ACE035D-DCBC-4072-8B14-FC9CE5A4C6AC}" type="datetimeFigureOut">
               <a:rPr lang="en-US" smtClean="0"/>
-              <a:t>11/6/2023</a:t>
+              <a:t>11/13/2023</a:t>
             </a:fld>
             <a:endParaRPr lang="en-US"/>
           </a:p>
@@ -1139,7 +1139,7 @@
           <a:p>
             <a:fld id="{4ACE035D-DCBC-4072-8B14-FC9CE5A4C6AC}" type="datetimeFigureOut">
               <a:rPr lang="en-US" smtClean="0"/>
-              <a:t>11/6/2023</a:t>
+              <a:t>11/13/2023</a:t>
             </a:fld>
             <a:endParaRPr lang="en-US"/>
           </a:p>
@@ -1404,7 +1404,7 @@
           <a:p>
             <a:fld id="{4ACE035D-DCBC-4072-8B14-FC9CE5A4C6AC}" type="datetimeFigureOut">
               <a:rPr lang="en-US" smtClean="0"/>
-              <a:t>11/6/2023</a:t>
+              <a:t>11/13/2023</a:t>
             </a:fld>
             <a:endParaRPr lang="en-US"/>
           </a:p>
@@ -1816,7 +1816,7 @@
           <a:p>
             <a:fld id="{4ACE035D-DCBC-4072-8B14-FC9CE5A4C6AC}" type="datetimeFigureOut">
               <a:rPr lang="en-US" smtClean="0"/>
-              <a:t>11/6/2023</a:t>
+              <a:t>11/13/2023</a:t>
             </a:fld>
             <a:endParaRPr lang="en-US"/>
           </a:p>
@@ -1957,7 +1957,7 @@
           <a:p>
             <a:fld id="{4ACE035D-DCBC-4072-8B14-FC9CE5A4C6AC}" type="datetimeFigureOut">
               <a:rPr lang="en-US" smtClean="0"/>
-              <a:t>11/6/2023</a:t>
+              <a:t>11/13/2023</a:t>
             </a:fld>
             <a:endParaRPr lang="en-US"/>
           </a:p>
@@ -2070,7 +2070,7 @@
           <a:p>
             <a:fld id="{4ACE035D-DCBC-4072-8B14-FC9CE5A4C6AC}" type="datetimeFigureOut">
               <a:rPr lang="en-US" smtClean="0"/>
-              <a:t>11/6/2023</a:t>
+              <a:t>11/13/2023</a:t>
             </a:fld>
             <a:endParaRPr lang="en-US"/>
           </a:p>
@@ -2381,7 +2381,7 @@
           <a:p>
             <a:fld id="{4ACE035D-DCBC-4072-8B14-FC9CE5A4C6AC}" type="datetimeFigureOut">
               <a:rPr lang="en-US" smtClean="0"/>
-              <a:t>11/6/2023</a:t>
+              <a:t>11/13/2023</a:t>
             </a:fld>
             <a:endParaRPr lang="en-US"/>
           </a:p>
@@ -2669,7 +2669,7 @@
           <a:p>
             <a:fld id="{4ACE035D-DCBC-4072-8B14-FC9CE5A4C6AC}" type="datetimeFigureOut">
               <a:rPr lang="en-US" smtClean="0"/>
-              <a:t>11/6/2023</a:t>
+              <a:t>11/13/2023</a:t>
             </a:fld>
             <a:endParaRPr lang="en-US"/>
           </a:p>
@@ -2910,7 +2910,7 @@
           <a:p>
             <a:fld id="{4ACE035D-DCBC-4072-8B14-FC9CE5A4C6AC}" type="datetimeFigureOut">
               <a:rPr lang="en-US" smtClean="0"/>
-              <a:t>11/6/2023</a:t>
+              <a:t>11/13/2023</a:t>
             </a:fld>
             <a:endParaRPr lang="en-US"/>
           </a:p>
@@ -3984,7 +3984,7 @@
           <a:p>
             <a:r>
               <a:rPr lang="en-US" dirty="0"/>
-              <a:t>201</a:t>
+              <a:t>196</a:t>
             </a:r>
           </a:p>
         </p:txBody>

--- a/Analysis/Meeting Attendees and Ethereum Community Analysis/venn diagram.pptx
+++ b/Analysis/Meeting Attendees and Ethereum Community Analysis/venn diagram.pptx
@@ -3494,8 +3494,13 @@
           <a:p>
             <a:r>
               <a:rPr lang="en-US" dirty="0"/>
-              <a:t>N (Everyone Involved with Development) = 2,111</a:t>
-            </a:r>
+              <a:t>N (Everyone Involved with Development) </a:t>
+            </a:r>
+            <a:r>
+              <a:rPr lang="en-US"/>
+              <a:t>= 2,106</a:t>
+            </a:r>
+            <a:endParaRPr lang="en-US" dirty="0"/>
           </a:p>
         </p:txBody>
       </p:sp>

--- a/Analysis/Meeting Attendees and Ethereum Community Analysis/venn diagram.pptx
+++ b/Analysis/Meeting Attendees and Ethereum Community Analysis/venn diagram.pptx
@@ -260,7 +260,7 @@
           <a:p>
             <a:fld id="{4ACE035D-DCBC-4072-8B14-FC9CE5A4C6AC}" type="datetimeFigureOut">
               <a:rPr lang="en-US" smtClean="0"/>
-              <a:t>12/19/2023</a:t>
+              <a:t>12/21/2023</a:t>
             </a:fld>
             <a:endParaRPr lang="en-US"/>
           </a:p>
@@ -458,7 +458,7 @@
           <a:p>
             <a:fld id="{4ACE035D-DCBC-4072-8B14-FC9CE5A4C6AC}" type="datetimeFigureOut">
               <a:rPr lang="en-US" smtClean="0"/>
-              <a:t>12/19/2023</a:t>
+              <a:t>12/21/2023</a:t>
             </a:fld>
             <a:endParaRPr lang="en-US"/>
           </a:p>
@@ -666,7 +666,7 @@
           <a:p>
             <a:fld id="{4ACE035D-DCBC-4072-8B14-FC9CE5A4C6AC}" type="datetimeFigureOut">
               <a:rPr lang="en-US" smtClean="0"/>
-              <a:t>12/19/2023</a:t>
+              <a:t>12/21/2023</a:t>
             </a:fld>
             <a:endParaRPr lang="en-US"/>
           </a:p>
@@ -864,7 +864,7 @@
           <a:p>
             <a:fld id="{4ACE035D-DCBC-4072-8B14-FC9CE5A4C6AC}" type="datetimeFigureOut">
               <a:rPr lang="en-US" smtClean="0"/>
-              <a:t>12/19/2023</a:t>
+              <a:t>12/21/2023</a:t>
             </a:fld>
             <a:endParaRPr lang="en-US"/>
           </a:p>
@@ -1139,7 +1139,7 @@
           <a:p>
             <a:fld id="{4ACE035D-DCBC-4072-8B14-FC9CE5A4C6AC}" type="datetimeFigureOut">
               <a:rPr lang="en-US" smtClean="0"/>
-              <a:t>12/19/2023</a:t>
+              <a:t>12/21/2023</a:t>
             </a:fld>
             <a:endParaRPr lang="en-US"/>
           </a:p>
@@ -1404,7 +1404,7 @@
           <a:p>
             <a:fld id="{4ACE035D-DCBC-4072-8B14-FC9CE5A4C6AC}" type="datetimeFigureOut">
               <a:rPr lang="en-US" smtClean="0"/>
-              <a:t>12/19/2023</a:t>
+              <a:t>12/21/2023</a:t>
             </a:fld>
             <a:endParaRPr lang="en-US"/>
           </a:p>
@@ -1816,7 +1816,7 @@
           <a:p>
             <a:fld id="{4ACE035D-DCBC-4072-8B14-FC9CE5A4C6AC}" type="datetimeFigureOut">
               <a:rPr lang="en-US" smtClean="0"/>
-              <a:t>12/19/2023</a:t>
+              <a:t>12/21/2023</a:t>
             </a:fld>
             <a:endParaRPr lang="en-US"/>
           </a:p>
@@ -1957,7 +1957,7 @@
           <a:p>
             <a:fld id="{4ACE035D-DCBC-4072-8B14-FC9CE5A4C6AC}" type="datetimeFigureOut">
               <a:rPr lang="en-US" smtClean="0"/>
-              <a:t>12/19/2023</a:t>
+              <a:t>12/21/2023</a:t>
             </a:fld>
             <a:endParaRPr lang="en-US"/>
           </a:p>
@@ -2070,7 +2070,7 @@
           <a:p>
             <a:fld id="{4ACE035D-DCBC-4072-8B14-FC9CE5A4C6AC}" type="datetimeFigureOut">
               <a:rPr lang="en-US" smtClean="0"/>
-              <a:t>12/19/2023</a:t>
+              <a:t>12/21/2023</a:t>
             </a:fld>
             <a:endParaRPr lang="en-US"/>
           </a:p>
@@ -2381,7 +2381,7 @@
           <a:p>
             <a:fld id="{4ACE035D-DCBC-4072-8B14-FC9CE5A4C6AC}" type="datetimeFigureOut">
               <a:rPr lang="en-US" smtClean="0"/>
-              <a:t>12/19/2023</a:t>
+              <a:t>12/21/2023</a:t>
             </a:fld>
             <a:endParaRPr lang="en-US"/>
           </a:p>
@@ -2669,7 +2669,7 @@
           <a:p>
             <a:fld id="{4ACE035D-DCBC-4072-8B14-FC9CE5A4C6AC}" type="datetimeFigureOut">
               <a:rPr lang="en-US" smtClean="0"/>
-              <a:t>12/19/2023</a:t>
+              <a:t>12/21/2023</a:t>
             </a:fld>
             <a:endParaRPr lang="en-US"/>
           </a:p>
@@ -2910,7 +2910,7 @@
           <a:p>
             <a:fld id="{4ACE035D-DCBC-4072-8B14-FC9CE5A4C6AC}" type="datetimeFigureOut">
               <a:rPr lang="en-US" smtClean="0"/>
-              <a:t>12/19/2023</a:t>
+              <a:t>12/21/2023</a:t>
             </a:fld>
             <a:endParaRPr lang="en-US"/>
           </a:p>
@@ -3498,7 +3498,7 @@
             </a:r>
             <a:r>
               <a:rPr lang="en-US"/>
-              <a:t>= 2,106</a:t>
+              <a:t>= 2,142</a:t>
             </a:r>
             <a:endParaRPr lang="en-US" dirty="0"/>
           </a:p>
@@ -3534,7 +3534,7 @@
           <a:p>
             <a:r>
               <a:rPr lang="en-US" dirty="0"/>
-              <a:t>135</a:t>
+              <a:t>144</a:t>
             </a:r>
           </a:p>
         </p:txBody>
@@ -3569,7 +3569,7 @@
           <a:p>
             <a:r>
               <a:rPr lang="en-US" dirty="0"/>
-              <a:t>43</a:t>
+              <a:t>41</a:t>
             </a:r>
           </a:p>
         </p:txBody>
@@ -3604,7 +3604,7 @@
           <a:p>
             <a:r>
               <a:rPr lang="en-US" dirty="0"/>
-              <a:t>25</a:t>
+              <a:t>24</a:t>
             </a:r>
           </a:p>
         </p:txBody>
@@ -3639,7 +3639,7 @@
           <a:p>
             <a:r>
               <a:rPr lang="en-US" dirty="0"/>
-              <a:t>25</a:t>
+              <a:t>24</a:t>
             </a:r>
           </a:p>
         </p:txBody>
@@ -3674,7 +3674,7 @@
           <a:p>
             <a:r>
               <a:rPr lang="en-US" dirty="0"/>
-              <a:t>74</a:t>
+              <a:t>71</a:t>
             </a:r>
           </a:p>
         </p:txBody>
@@ -3779,7 +3779,7 @@
           <a:p>
             <a:r>
               <a:rPr lang="en-US" dirty="0"/>
-              <a:t>43</a:t>
+              <a:t>42</a:t>
             </a:r>
           </a:p>
         </p:txBody>
@@ -3814,7 +3814,7 @@
           <a:p>
             <a:r>
               <a:rPr lang="en-US" dirty="0"/>
-              <a:t>43</a:t>
+              <a:t>41</a:t>
             </a:r>
           </a:p>
         </p:txBody>
@@ -3849,7 +3849,7 @@
           <a:p>
             <a:r>
               <a:rPr lang="en-US" dirty="0"/>
-              <a:t>234</a:t>
+              <a:t>230</a:t>
             </a:r>
           </a:p>
         </p:txBody>
@@ -3884,7 +3884,7 @@
           <a:p>
             <a:r>
               <a:rPr lang="en-US" dirty="0"/>
-              <a:t>43</a:t>
+              <a:t>41</a:t>
             </a:r>
           </a:p>
         </p:txBody>
@@ -3919,7 +3919,7 @@
           <a:p>
             <a:r>
               <a:rPr lang="en-US" dirty="0"/>
-              <a:t>172</a:t>
+              <a:t>144</a:t>
             </a:r>
           </a:p>
         </p:txBody>
@@ -3954,7 +3954,7 @@
           <a:p>
             <a:r>
               <a:rPr lang="en-US" dirty="0"/>
-              <a:t>70</a:t>
+              <a:t>68</a:t>
             </a:r>
           </a:p>
         </p:txBody>
@@ -3973,7 +3973,7 @@
         </p:nvSpPr>
         <p:spPr>
           <a:xfrm flipH="1">
-            <a:off x="8356872" y="3735031"/>
+            <a:off x="8261179" y="3735031"/>
             <a:ext cx="573712" cy="369332"/>
           </a:xfrm>
           <a:prstGeom prst="rect">
@@ -3989,7 +3989,7 @@
           <a:p>
             <a:r>
               <a:rPr lang="en-US" dirty="0"/>
-              <a:t>193</a:t>
+              <a:t>196</a:t>
             </a:r>
           </a:p>
         </p:txBody>
@@ -4024,7 +4024,7 @@
           <a:p>
             <a:r>
               <a:rPr lang="en-US" dirty="0"/>
-              <a:t>1,013</a:t>
+              <a:t>1,044</a:t>
             </a:r>
           </a:p>
         </p:txBody>
